--- a/Calendario/Presentaciones/9_NAT.pptx
+++ b/Calendario/Presentaciones/9_NAT.pptx
@@ -227,7 +227,7 @@
           <a:p>
             <a:fld id="{2D445F07-8756-451B-A938-0248325FC7BB}" type="datetimeFigureOut">
               <a:rPr lang="es-MX" smtClean="0"/>
-              <a:t>13/03/2023</a:t>
+              <a:t>12/04/2023</a:t>
             </a:fld>
             <a:endParaRPr lang="es-MX" dirty="0"/>
           </a:p>
@@ -1352,7 +1352,7 @@
           <a:p>
             <a:fld id="{5E75A0DC-66C6-4CEC-A5EB-F8C97CEC3796}" type="datetimeFigureOut">
               <a:rPr lang="es-MX" smtClean="0"/>
-              <a:t>13/03/2023</a:t>
+              <a:t>12/04/2023</a:t>
             </a:fld>
             <a:endParaRPr lang="es-MX" dirty="0"/>
           </a:p>
@@ -1522,7 +1522,7 @@
           <a:p>
             <a:fld id="{5E75A0DC-66C6-4CEC-A5EB-F8C97CEC3796}" type="datetimeFigureOut">
               <a:rPr lang="es-MX" smtClean="0"/>
-              <a:t>13/03/2023</a:t>
+              <a:t>12/04/2023</a:t>
             </a:fld>
             <a:endParaRPr lang="es-MX" dirty="0"/>
           </a:p>
@@ -1702,7 +1702,7 @@
           <a:p>
             <a:fld id="{5E75A0DC-66C6-4CEC-A5EB-F8C97CEC3796}" type="datetimeFigureOut">
               <a:rPr lang="es-MX" smtClean="0"/>
-              <a:t>13/03/2023</a:t>
+              <a:t>12/04/2023</a:t>
             </a:fld>
             <a:endParaRPr lang="es-MX" dirty="0"/>
           </a:p>
@@ -1872,7 +1872,7 @@
           <a:p>
             <a:fld id="{5E75A0DC-66C6-4CEC-A5EB-F8C97CEC3796}" type="datetimeFigureOut">
               <a:rPr lang="es-MX" smtClean="0"/>
-              <a:t>13/03/2023</a:t>
+              <a:t>12/04/2023</a:t>
             </a:fld>
             <a:endParaRPr lang="es-MX" dirty="0"/>
           </a:p>
@@ -2118,7 +2118,7 @@
           <a:p>
             <a:fld id="{5E75A0DC-66C6-4CEC-A5EB-F8C97CEC3796}" type="datetimeFigureOut">
               <a:rPr lang="es-MX" smtClean="0"/>
-              <a:t>13/03/2023</a:t>
+              <a:t>12/04/2023</a:t>
             </a:fld>
             <a:endParaRPr lang="es-MX" dirty="0"/>
           </a:p>
@@ -2406,7 +2406,7 @@
           <a:p>
             <a:fld id="{5E75A0DC-66C6-4CEC-A5EB-F8C97CEC3796}" type="datetimeFigureOut">
               <a:rPr lang="es-MX" smtClean="0"/>
-              <a:t>13/03/2023</a:t>
+              <a:t>12/04/2023</a:t>
             </a:fld>
             <a:endParaRPr lang="es-MX" dirty="0"/>
           </a:p>
@@ -2828,7 +2828,7 @@
           <a:p>
             <a:fld id="{5E75A0DC-66C6-4CEC-A5EB-F8C97CEC3796}" type="datetimeFigureOut">
               <a:rPr lang="es-MX" smtClean="0"/>
-              <a:t>13/03/2023</a:t>
+              <a:t>12/04/2023</a:t>
             </a:fld>
             <a:endParaRPr lang="es-MX" dirty="0"/>
           </a:p>
@@ -2946,7 +2946,7 @@
           <a:p>
             <a:fld id="{5E75A0DC-66C6-4CEC-A5EB-F8C97CEC3796}" type="datetimeFigureOut">
               <a:rPr lang="es-MX" smtClean="0"/>
-              <a:t>13/03/2023</a:t>
+              <a:t>12/04/2023</a:t>
             </a:fld>
             <a:endParaRPr lang="es-MX" dirty="0"/>
           </a:p>
@@ -3041,7 +3041,7 @@
           <a:p>
             <a:fld id="{5E75A0DC-66C6-4CEC-A5EB-F8C97CEC3796}" type="datetimeFigureOut">
               <a:rPr lang="es-MX" smtClean="0"/>
-              <a:t>13/03/2023</a:t>
+              <a:t>12/04/2023</a:t>
             </a:fld>
             <a:endParaRPr lang="es-MX" dirty="0"/>
           </a:p>
@@ -3318,7 +3318,7 @@
           <a:p>
             <a:fld id="{5E75A0DC-66C6-4CEC-A5EB-F8C97CEC3796}" type="datetimeFigureOut">
               <a:rPr lang="es-MX" smtClean="0"/>
-              <a:t>13/03/2023</a:t>
+              <a:t>12/04/2023</a:t>
             </a:fld>
             <a:endParaRPr lang="es-MX" dirty="0"/>
           </a:p>
@@ -3571,7 +3571,7 @@
           <a:p>
             <a:fld id="{5E75A0DC-66C6-4CEC-A5EB-F8C97CEC3796}" type="datetimeFigureOut">
               <a:rPr lang="es-MX" smtClean="0"/>
-              <a:t>13/03/2023</a:t>
+              <a:t>12/04/2023</a:t>
             </a:fld>
             <a:endParaRPr lang="es-MX" dirty="0"/>
           </a:p>
@@ -3784,7 +3784,7 @@
           <a:p>
             <a:fld id="{5E75A0DC-66C6-4CEC-A5EB-F8C97CEC3796}" type="datetimeFigureOut">
               <a:rPr lang="es-MX" smtClean="0"/>
-              <a:t>13/03/2023</a:t>
+              <a:t>12/04/2023</a:t>
             </a:fld>
             <a:endParaRPr lang="es-MX" dirty="0"/>
           </a:p>

--- a/Calendario/Presentaciones/9_NAT.pptx
+++ b/Calendario/Presentaciones/9_NAT.pptx
@@ -217,7 +217,7 @@
           <a:p>
             <a:fld id="{2D445F07-8756-451B-A938-0248325FC7BB}" type="datetimeFigureOut">
               <a:rPr lang="es-MX" smtClean="0"/>
-              <a:t>12/04/2023</a:t>
+              <a:t>25/04/2023</a:t>
             </a:fld>
             <a:endParaRPr lang="es-MX" dirty="0"/>
           </a:p>
@@ -1342,7 +1342,7 @@
           <a:p>
             <a:fld id="{5E75A0DC-66C6-4CEC-A5EB-F8C97CEC3796}" type="datetimeFigureOut">
               <a:rPr lang="es-MX" smtClean="0"/>
-              <a:t>12/04/2023</a:t>
+              <a:t>25/04/2023</a:t>
             </a:fld>
             <a:endParaRPr lang="es-MX" dirty="0"/>
           </a:p>
@@ -1512,7 +1512,7 @@
           <a:p>
             <a:fld id="{5E75A0DC-66C6-4CEC-A5EB-F8C97CEC3796}" type="datetimeFigureOut">
               <a:rPr lang="es-MX" smtClean="0"/>
-              <a:t>12/04/2023</a:t>
+              <a:t>25/04/2023</a:t>
             </a:fld>
             <a:endParaRPr lang="es-MX" dirty="0"/>
           </a:p>
@@ -1692,7 +1692,7 @@
           <a:p>
             <a:fld id="{5E75A0DC-66C6-4CEC-A5EB-F8C97CEC3796}" type="datetimeFigureOut">
               <a:rPr lang="es-MX" smtClean="0"/>
-              <a:t>12/04/2023</a:t>
+              <a:t>25/04/2023</a:t>
             </a:fld>
             <a:endParaRPr lang="es-MX" dirty="0"/>
           </a:p>
@@ -1862,7 +1862,7 @@
           <a:p>
             <a:fld id="{5E75A0DC-66C6-4CEC-A5EB-F8C97CEC3796}" type="datetimeFigureOut">
               <a:rPr lang="es-MX" smtClean="0"/>
-              <a:t>12/04/2023</a:t>
+              <a:t>25/04/2023</a:t>
             </a:fld>
             <a:endParaRPr lang="es-MX" dirty="0"/>
           </a:p>
@@ -2108,7 +2108,7 @@
           <a:p>
             <a:fld id="{5E75A0DC-66C6-4CEC-A5EB-F8C97CEC3796}" type="datetimeFigureOut">
               <a:rPr lang="es-MX" smtClean="0"/>
-              <a:t>12/04/2023</a:t>
+              <a:t>25/04/2023</a:t>
             </a:fld>
             <a:endParaRPr lang="es-MX" dirty="0"/>
           </a:p>
@@ -2396,7 +2396,7 @@
           <a:p>
             <a:fld id="{5E75A0DC-66C6-4CEC-A5EB-F8C97CEC3796}" type="datetimeFigureOut">
               <a:rPr lang="es-MX" smtClean="0"/>
-              <a:t>12/04/2023</a:t>
+              <a:t>25/04/2023</a:t>
             </a:fld>
             <a:endParaRPr lang="es-MX" dirty="0"/>
           </a:p>
@@ -2818,7 +2818,7 @@
           <a:p>
             <a:fld id="{5E75A0DC-66C6-4CEC-A5EB-F8C97CEC3796}" type="datetimeFigureOut">
               <a:rPr lang="es-MX" smtClean="0"/>
-              <a:t>12/04/2023</a:t>
+              <a:t>25/04/2023</a:t>
             </a:fld>
             <a:endParaRPr lang="es-MX" dirty="0"/>
           </a:p>
@@ -2936,7 +2936,7 @@
           <a:p>
             <a:fld id="{5E75A0DC-66C6-4CEC-A5EB-F8C97CEC3796}" type="datetimeFigureOut">
               <a:rPr lang="es-MX" smtClean="0"/>
-              <a:t>12/04/2023</a:t>
+              <a:t>25/04/2023</a:t>
             </a:fld>
             <a:endParaRPr lang="es-MX" dirty="0"/>
           </a:p>
@@ -3031,7 +3031,7 @@
           <a:p>
             <a:fld id="{5E75A0DC-66C6-4CEC-A5EB-F8C97CEC3796}" type="datetimeFigureOut">
               <a:rPr lang="es-MX" smtClean="0"/>
-              <a:t>12/04/2023</a:t>
+              <a:t>25/04/2023</a:t>
             </a:fld>
             <a:endParaRPr lang="es-MX" dirty="0"/>
           </a:p>
@@ -3308,7 +3308,7 @@
           <a:p>
             <a:fld id="{5E75A0DC-66C6-4CEC-A5EB-F8C97CEC3796}" type="datetimeFigureOut">
               <a:rPr lang="es-MX" smtClean="0"/>
-              <a:t>12/04/2023</a:t>
+              <a:t>25/04/2023</a:t>
             </a:fld>
             <a:endParaRPr lang="es-MX" dirty="0"/>
           </a:p>
@@ -3561,7 +3561,7 @@
           <a:p>
             <a:fld id="{5E75A0DC-66C6-4CEC-A5EB-F8C97CEC3796}" type="datetimeFigureOut">
               <a:rPr lang="es-MX" smtClean="0"/>
-              <a:t>12/04/2023</a:t>
+              <a:t>25/04/2023</a:t>
             </a:fld>
             <a:endParaRPr lang="es-MX" dirty="0"/>
           </a:p>
@@ -3774,7 +3774,7 @@
           <a:p>
             <a:fld id="{5E75A0DC-66C6-4CEC-A5EB-F8C97CEC3796}" type="datetimeFigureOut">
               <a:rPr lang="es-MX" smtClean="0"/>
-              <a:t>12/04/2023</a:t>
+              <a:t>25/04/2023</a:t>
             </a:fld>
             <a:endParaRPr lang="es-MX" dirty="0"/>
           </a:p>
@@ -9932,7 +9932,7 @@
             <a:r>
               <a:rPr lang="es-MX" sz="1600" b="1" dirty="0">
                 <a:solidFill>
-                  <a:srgbClr val="002060"/>
+                  <a:srgbClr val="FF0000"/>
                 </a:solidFill>
                 <a:latin typeface="Arial" panose="020B0604020202020204" pitchFamily="34" charset="0"/>
                 <a:cs typeface="Arial" panose="020B0604020202020204" pitchFamily="34" charset="0"/>
@@ -9942,7 +9942,7 @@
             <a:r>
               <a:rPr lang="es-MX" sz="1600" b="1" dirty="0" err="1">
                 <a:solidFill>
-                  <a:srgbClr val="002060"/>
+                  <a:srgbClr val="FF0000"/>
                 </a:solidFill>
                 <a:latin typeface="Arial" panose="020B0604020202020204" pitchFamily="34" charset="0"/>
                 <a:cs typeface="Arial" panose="020B0604020202020204" pitchFamily="34" charset="0"/>
@@ -9952,7 +9952,7 @@
             <a:r>
               <a:rPr lang="es-MX" sz="1600" b="1" dirty="0">
                 <a:solidFill>
-                  <a:srgbClr val="002060"/>
+                  <a:srgbClr val="FF0000"/>
                 </a:solidFill>
                 <a:latin typeface="Arial" panose="020B0604020202020204" pitchFamily="34" charset="0"/>
                 <a:cs typeface="Arial" panose="020B0604020202020204" pitchFamily="34" charset="0"/>
@@ -9962,7 +9962,7 @@
             <a:r>
               <a:rPr lang="es-MX" sz="1600" b="1" dirty="0" err="1">
                 <a:solidFill>
-                  <a:srgbClr val="002060"/>
+                  <a:srgbClr val="FF0000"/>
                 </a:solidFill>
                 <a:latin typeface="Arial" panose="020B0604020202020204" pitchFamily="34" charset="0"/>
                 <a:cs typeface="Arial" panose="020B0604020202020204" pitchFamily="34" charset="0"/>
@@ -9972,7 +9972,7 @@
             <a:r>
               <a:rPr lang="es-MX" sz="1600" b="1" dirty="0">
                 <a:solidFill>
-                  <a:srgbClr val="002060"/>
+                  <a:srgbClr val="FF0000"/>
                 </a:solidFill>
                 <a:latin typeface="Arial" panose="020B0604020202020204" pitchFamily="34" charset="0"/>
                 <a:cs typeface="Arial" panose="020B0604020202020204" pitchFamily="34" charset="0"/>
@@ -10037,9 +10037,7 @@
             <a:r>
               <a:rPr lang="es-MX" sz="1600" b="1" dirty="0">
                 <a:solidFill>
-                  <a:schemeClr val="accent6">
-                    <a:lumMod val="75000"/>
-                  </a:schemeClr>
+                  <a:srgbClr val="00B050"/>
                 </a:solidFill>
                 <a:latin typeface="Arial" panose="020B0604020202020204" pitchFamily="34" charset="0"/>
                 <a:cs typeface="Arial" panose="020B0604020202020204" pitchFamily="34" charset="0"/>
@@ -10049,9 +10047,7 @@
             <a:r>
               <a:rPr lang="es-MX" sz="1600" b="1" dirty="0" err="1">
                 <a:solidFill>
-                  <a:schemeClr val="accent6">
-                    <a:lumMod val="75000"/>
-                  </a:schemeClr>
+                  <a:srgbClr val="00B050"/>
                 </a:solidFill>
                 <a:latin typeface="Arial" panose="020B0604020202020204" pitchFamily="34" charset="0"/>
                 <a:cs typeface="Arial" panose="020B0604020202020204" pitchFamily="34" charset="0"/>
@@ -10061,9 +10057,7 @@
             <a:r>
               <a:rPr lang="es-MX" sz="1600" b="1" dirty="0">
                 <a:solidFill>
-                  <a:schemeClr val="accent6">
-                    <a:lumMod val="75000"/>
-                  </a:schemeClr>
+                  <a:srgbClr val="00B050"/>
                 </a:solidFill>
                 <a:latin typeface="Arial" panose="020B0604020202020204" pitchFamily="34" charset="0"/>
                 <a:cs typeface="Arial" panose="020B0604020202020204" pitchFamily="34" charset="0"/>
@@ -10073,9 +10067,7 @@
             <a:r>
               <a:rPr lang="es-MX" sz="1600" b="1" dirty="0" err="1">
                 <a:solidFill>
-                  <a:schemeClr val="accent6">
-                    <a:lumMod val="75000"/>
-                  </a:schemeClr>
+                  <a:srgbClr val="00B050"/>
                 </a:solidFill>
                 <a:latin typeface="Arial" panose="020B0604020202020204" pitchFamily="34" charset="0"/>
                 <a:cs typeface="Arial" panose="020B0604020202020204" pitchFamily="34" charset="0"/>
@@ -10085,9 +10077,7 @@
             <a:r>
               <a:rPr lang="es-MX" sz="1600" b="1" dirty="0">
                 <a:solidFill>
-                  <a:schemeClr val="accent6">
-                    <a:lumMod val="75000"/>
-                  </a:schemeClr>
+                  <a:srgbClr val="00B050"/>
                 </a:solidFill>
                 <a:latin typeface="Arial" panose="020B0604020202020204" pitchFamily="34" charset="0"/>
                 <a:cs typeface="Arial" panose="020B0604020202020204" pitchFamily="34" charset="0"/>
@@ -10097,9 +10087,7 @@
             <a:r>
               <a:rPr lang="es-MX" sz="1600" b="1" dirty="0" err="1">
                 <a:solidFill>
-                  <a:schemeClr val="accent6">
-                    <a:lumMod val="75000"/>
-                  </a:schemeClr>
+                  <a:srgbClr val="00B050"/>
                 </a:solidFill>
                 <a:latin typeface="Arial" panose="020B0604020202020204" pitchFamily="34" charset="0"/>
                 <a:cs typeface="Arial" panose="020B0604020202020204" pitchFamily="34" charset="0"/>
@@ -10109,9 +10097,7 @@
             <a:r>
               <a:rPr lang="es-MX" sz="1600" b="1" dirty="0">
                 <a:solidFill>
-                  <a:schemeClr val="accent6">
-                    <a:lumMod val="75000"/>
-                  </a:schemeClr>
+                  <a:srgbClr val="00B050"/>
                 </a:solidFill>
                 <a:latin typeface="Arial" panose="020B0604020202020204" pitchFamily="34" charset="0"/>
                 <a:cs typeface="Arial" panose="020B0604020202020204" pitchFamily="34" charset="0"/>
@@ -10121,9 +10107,7 @@
             <a:r>
               <a:rPr lang="es-MX" sz="1600" b="1" dirty="0" err="1">
                 <a:solidFill>
-                  <a:schemeClr val="accent6">
-                    <a:lumMod val="75000"/>
-                  </a:schemeClr>
+                  <a:srgbClr val="00B050"/>
                 </a:solidFill>
                 <a:latin typeface="Arial" panose="020B0604020202020204" pitchFamily="34" charset="0"/>
                 <a:cs typeface="Arial" panose="020B0604020202020204" pitchFamily="34" charset="0"/>
@@ -10133,9 +10117,7 @@
             <a:r>
               <a:rPr lang="es-MX" sz="1600" dirty="0">
                 <a:solidFill>
-                  <a:schemeClr val="accent6">
-                    <a:lumMod val="75000"/>
-                  </a:schemeClr>
+                  <a:srgbClr val="00B050"/>
                 </a:solidFill>
                 <a:latin typeface="Arial" panose="020B0604020202020204" pitchFamily="34" charset="0"/>
                 <a:cs typeface="Arial" panose="020B0604020202020204" pitchFamily="34" charset="0"/>
@@ -10145,9 +10127,7 @@
             <a:r>
               <a:rPr lang="es-MX" sz="1600" b="1" dirty="0" err="1">
                 <a:solidFill>
-                  <a:schemeClr val="accent6">
-                    <a:lumMod val="75000"/>
-                  </a:schemeClr>
+                  <a:srgbClr val="00B050"/>
                 </a:solidFill>
                 <a:latin typeface="Arial" panose="020B0604020202020204" pitchFamily="34" charset="0"/>
                 <a:cs typeface="Arial" panose="020B0604020202020204" pitchFamily="34" charset="0"/>
@@ -10156,6 +10136,16 @@
             </a:r>
             <a:r>
               <a:rPr lang="es-MX" sz="1600" b="1" dirty="0">
+                <a:solidFill>
+                  <a:srgbClr val="00B050"/>
+                </a:solidFill>
+                <a:latin typeface="Arial" panose="020B0604020202020204" pitchFamily="34" charset="0"/>
+                <a:cs typeface="Arial" panose="020B0604020202020204" pitchFamily="34" charset="0"/>
+              </a:rPr>
+              <a:t> </a:t>
+            </a:r>
+            <a:r>
+              <a:rPr lang="es-MX" sz="1600" dirty="0">
                 <a:solidFill>
                   <a:schemeClr val="bg2">
                     <a:lumMod val="25000"/>
@@ -10164,7 +10154,19 @@
                 <a:latin typeface="Arial" panose="020B0604020202020204" pitchFamily="34" charset="0"/>
                 <a:cs typeface="Arial" panose="020B0604020202020204" pitchFamily="34" charset="0"/>
               </a:rPr>
-              <a:t> </a:t>
+              <a:t>{</a:t>
+            </a:r>
+            <a:r>
+              <a:rPr lang="es-MX" sz="1600" b="1" dirty="0">
+                <a:solidFill>
+                  <a:schemeClr val="accent5">
+                    <a:lumMod val="75000"/>
+                  </a:schemeClr>
+                </a:solidFill>
+                <a:latin typeface="Arial" panose="020B0604020202020204" pitchFamily="34" charset="0"/>
+                <a:cs typeface="Arial" panose="020B0604020202020204" pitchFamily="34" charset="0"/>
+              </a:rPr>
+              <a:t>Número | Nombre</a:t>
             </a:r>
             <a:r>
               <a:rPr lang="es-MX" sz="1600" dirty="0">
@@ -10176,38 +10178,12 @@
                 <a:latin typeface="Arial" panose="020B0604020202020204" pitchFamily="34" charset="0"/>
                 <a:cs typeface="Arial" panose="020B0604020202020204" pitchFamily="34" charset="0"/>
               </a:rPr>
-              <a:t>{</a:t>
+              <a:t>} </a:t>
             </a:r>
             <a:r>
               <a:rPr lang="es-MX" sz="1600" b="1" dirty="0">
                 <a:solidFill>
-                  <a:schemeClr val="accent5">
-                    <a:lumMod val="75000"/>
-                  </a:schemeClr>
-                </a:solidFill>
-                <a:latin typeface="Arial" panose="020B0604020202020204" pitchFamily="34" charset="0"/>
-                <a:cs typeface="Arial" panose="020B0604020202020204" pitchFamily="34" charset="0"/>
-              </a:rPr>
-              <a:t>Número | Nombre</a:t>
-            </a:r>
-            <a:r>
-              <a:rPr lang="es-MX" sz="1600" dirty="0">
-                <a:solidFill>
-                  <a:schemeClr val="bg2">
-                    <a:lumMod val="25000"/>
-                  </a:schemeClr>
-                </a:solidFill>
-                <a:latin typeface="Arial" panose="020B0604020202020204" pitchFamily="34" charset="0"/>
-                <a:cs typeface="Arial" panose="020B0604020202020204" pitchFamily="34" charset="0"/>
-              </a:rPr>
-              <a:t>} </a:t>
-            </a:r>
-            <a:r>
-              <a:rPr lang="es-MX" sz="1600" b="1" dirty="0">
-                <a:solidFill>
-                  <a:schemeClr val="accent6">
-                    <a:lumMod val="75000"/>
-                  </a:schemeClr>
+                  <a:srgbClr val="00B050"/>
                 </a:solidFill>
                 <a:latin typeface="Arial" panose="020B0604020202020204" pitchFamily="34" charset="0"/>
                 <a:cs typeface="Arial" panose="020B0604020202020204" pitchFamily="34" charset="0"/>
@@ -10265,7 +10241,7 @@
             <a:r>
               <a:rPr lang="es-MX" sz="1600" b="1" dirty="0">
                 <a:solidFill>
-                  <a:srgbClr val="002060"/>
+                  <a:srgbClr val="FF0000"/>
                 </a:solidFill>
                 <a:latin typeface="Arial" panose="020B0604020202020204" pitchFamily="34" charset="0"/>
                 <a:cs typeface="Arial" panose="020B0604020202020204" pitchFamily="34" charset="0"/>
@@ -10275,7 +10251,7 @@
             <a:r>
               <a:rPr lang="es-MX" sz="1600" b="1" dirty="0" err="1">
                 <a:solidFill>
-                  <a:srgbClr val="002060"/>
+                  <a:srgbClr val="FF0000"/>
                 </a:solidFill>
                 <a:latin typeface="Arial" panose="020B0604020202020204" pitchFamily="34" charset="0"/>
                 <a:cs typeface="Arial" panose="020B0604020202020204" pitchFamily="34" charset="0"/>
@@ -10285,7 +10261,7 @@
             <a:r>
               <a:rPr lang="es-MX" sz="1600" b="1" dirty="0">
                 <a:solidFill>
-                  <a:srgbClr val="002060"/>
+                  <a:srgbClr val="FF0000"/>
                 </a:solidFill>
                 <a:latin typeface="Arial" panose="020B0604020202020204" pitchFamily="34" charset="0"/>
                 <a:cs typeface="Arial" panose="020B0604020202020204" pitchFamily="34" charset="0"/>
@@ -10295,7 +10271,7 @@
             <a:r>
               <a:rPr lang="es-MX" sz="1600" b="1" dirty="0" err="1">
                 <a:solidFill>
-                  <a:srgbClr val="002060"/>
+                  <a:srgbClr val="FF0000"/>
                 </a:solidFill>
                 <a:latin typeface="Arial" panose="020B0604020202020204" pitchFamily="34" charset="0"/>
                 <a:cs typeface="Arial" panose="020B0604020202020204" pitchFamily="34" charset="0"/>
@@ -10305,7 +10281,7 @@
             <a:r>
               <a:rPr lang="es-MX" sz="1600" b="1" dirty="0">
                 <a:solidFill>
-                  <a:srgbClr val="002060"/>
+                  <a:srgbClr val="FF0000"/>
                 </a:solidFill>
                 <a:latin typeface="Arial" panose="020B0604020202020204" pitchFamily="34" charset="0"/>
                 <a:cs typeface="Arial" panose="020B0604020202020204" pitchFamily="34" charset="0"/>
@@ -10315,7 +10291,7 @@
             <a:r>
               <a:rPr lang="es-MX" sz="1600" b="1" dirty="0" err="1">
                 <a:solidFill>
-                  <a:srgbClr val="002060"/>
+                  <a:srgbClr val="FF0000"/>
                 </a:solidFill>
                 <a:latin typeface="Arial" panose="020B0604020202020204" pitchFamily="34" charset="0"/>
                 <a:cs typeface="Arial" panose="020B0604020202020204" pitchFamily="34" charset="0"/>
@@ -10325,7 +10301,7 @@
             <a:r>
               <a:rPr lang="es-MX" sz="1600" b="1" dirty="0">
                 <a:solidFill>
-                  <a:srgbClr val="002060"/>
+                  <a:srgbClr val="FF0000"/>
                 </a:solidFill>
                 <a:latin typeface="Arial" panose="020B0604020202020204" pitchFamily="34" charset="0"/>
                 <a:cs typeface="Arial" panose="020B0604020202020204" pitchFamily="34" charset="0"/>
@@ -10402,6 +10378,184 @@
             <a:r>
               <a:rPr lang="es-MX" sz="1600" b="1" dirty="0">
                 <a:solidFill>
+                  <a:srgbClr val="00B050"/>
+                </a:solidFill>
+                <a:latin typeface="Arial" panose="020B0604020202020204" pitchFamily="34" charset="0"/>
+                <a:cs typeface="Arial" panose="020B0604020202020204" pitchFamily="34" charset="0"/>
+              </a:rPr>
+              <a:t>     </a:t>
+            </a:r>
+            <a:r>
+              <a:rPr lang="es-MX" sz="1600" b="1" dirty="0" err="1">
+                <a:solidFill>
+                  <a:srgbClr val="00B050"/>
+                </a:solidFill>
+                <a:latin typeface="Arial" panose="020B0604020202020204" pitchFamily="34" charset="0"/>
+                <a:cs typeface="Arial" panose="020B0604020202020204" pitchFamily="34" charset="0"/>
+              </a:rPr>
+              <a:t>ip</a:t>
+            </a:r>
+            <a:r>
+              <a:rPr lang="es-MX" sz="1600" b="1" dirty="0">
+                <a:solidFill>
+                  <a:srgbClr val="00B050"/>
+                </a:solidFill>
+                <a:latin typeface="Arial" panose="020B0604020202020204" pitchFamily="34" charset="0"/>
+                <a:cs typeface="Arial" panose="020B0604020202020204" pitchFamily="34" charset="0"/>
+              </a:rPr>
+              <a:t> </a:t>
+            </a:r>
+            <a:r>
+              <a:rPr lang="es-MX" sz="1600" b="1" dirty="0" err="1">
+                <a:solidFill>
+                  <a:srgbClr val="00B050"/>
+                </a:solidFill>
+                <a:latin typeface="Arial" panose="020B0604020202020204" pitchFamily="34" charset="0"/>
+                <a:cs typeface="Arial" panose="020B0604020202020204" pitchFamily="34" charset="0"/>
+              </a:rPr>
+              <a:t>nat</a:t>
+            </a:r>
+            <a:r>
+              <a:rPr lang="es-MX" sz="1600" b="1" dirty="0">
+                <a:solidFill>
+                  <a:srgbClr val="00B050"/>
+                </a:solidFill>
+                <a:latin typeface="Arial" panose="020B0604020202020204" pitchFamily="34" charset="0"/>
+                <a:cs typeface="Arial" panose="020B0604020202020204" pitchFamily="34" charset="0"/>
+              </a:rPr>
+              <a:t> </a:t>
+            </a:r>
+            <a:r>
+              <a:rPr lang="es-MX" sz="1600" b="1" dirty="0" err="1">
+                <a:solidFill>
+                  <a:srgbClr val="00B050"/>
+                </a:solidFill>
+                <a:latin typeface="Arial" panose="020B0604020202020204" pitchFamily="34" charset="0"/>
+                <a:cs typeface="Arial" panose="020B0604020202020204" pitchFamily="34" charset="0"/>
+              </a:rPr>
+              <a:t>inside</a:t>
+            </a:r>
+            <a:r>
+              <a:rPr lang="es-MX" sz="1600" b="1" dirty="0">
+                <a:solidFill>
+                  <a:srgbClr val="00B050"/>
+                </a:solidFill>
+                <a:latin typeface="Arial" panose="020B0604020202020204" pitchFamily="34" charset="0"/>
+                <a:cs typeface="Arial" panose="020B0604020202020204" pitchFamily="34" charset="0"/>
+              </a:rPr>
+              <a:t> </a:t>
+            </a:r>
+            <a:r>
+              <a:rPr lang="es-MX" sz="1600" b="1" dirty="0" err="1">
+                <a:solidFill>
+                  <a:srgbClr val="00B050"/>
+                </a:solidFill>
+                <a:latin typeface="Arial" panose="020B0604020202020204" pitchFamily="34" charset="0"/>
+                <a:cs typeface="Arial" panose="020B0604020202020204" pitchFamily="34" charset="0"/>
+              </a:rPr>
+              <a:t>source</a:t>
+            </a:r>
+            <a:r>
+              <a:rPr lang="es-MX" sz="1600" dirty="0">
+                <a:solidFill>
+                  <a:srgbClr val="00B050"/>
+                </a:solidFill>
+                <a:latin typeface="Arial" panose="020B0604020202020204" pitchFamily="34" charset="0"/>
+                <a:cs typeface="Arial" panose="020B0604020202020204" pitchFamily="34" charset="0"/>
+              </a:rPr>
+              <a:t> </a:t>
+            </a:r>
+            <a:r>
+              <a:rPr lang="es-MX" sz="1600" b="1" dirty="0" err="1">
+                <a:solidFill>
+                  <a:srgbClr val="00B050"/>
+                </a:solidFill>
+                <a:latin typeface="Arial" panose="020B0604020202020204" pitchFamily="34" charset="0"/>
+                <a:cs typeface="Arial" panose="020B0604020202020204" pitchFamily="34" charset="0"/>
+              </a:rPr>
+              <a:t>list</a:t>
+            </a:r>
+            <a:r>
+              <a:rPr lang="es-MX" sz="1600" b="1" dirty="0">
+                <a:solidFill>
+                  <a:srgbClr val="00B050"/>
+                </a:solidFill>
+                <a:latin typeface="Arial" panose="020B0604020202020204" pitchFamily="34" charset="0"/>
+                <a:cs typeface="Arial" panose="020B0604020202020204" pitchFamily="34" charset="0"/>
+              </a:rPr>
+              <a:t> </a:t>
+            </a:r>
+            <a:r>
+              <a:rPr lang="es-MX" sz="1600" dirty="0">
+                <a:solidFill>
+                  <a:schemeClr val="bg2">
+                    <a:lumMod val="25000"/>
+                  </a:schemeClr>
+                </a:solidFill>
+                <a:latin typeface="Arial" panose="020B0604020202020204" pitchFamily="34" charset="0"/>
+                <a:cs typeface="Arial" panose="020B0604020202020204" pitchFamily="34" charset="0"/>
+              </a:rPr>
+              <a:t>{</a:t>
+            </a:r>
+            <a:r>
+              <a:rPr lang="es-MX" sz="1600" b="1" dirty="0">
+                <a:solidFill>
+                  <a:schemeClr val="accent5">
+                    <a:lumMod val="75000"/>
+                  </a:schemeClr>
+                </a:solidFill>
+                <a:latin typeface="Arial" panose="020B0604020202020204" pitchFamily="34" charset="0"/>
+                <a:cs typeface="Arial" panose="020B0604020202020204" pitchFamily="34" charset="0"/>
+              </a:rPr>
+              <a:t>Número | Nombre</a:t>
+            </a:r>
+            <a:r>
+              <a:rPr lang="es-MX" sz="1600" dirty="0">
+                <a:solidFill>
+                  <a:schemeClr val="bg2">
+                    <a:lumMod val="25000"/>
+                  </a:schemeClr>
+                </a:solidFill>
+                <a:latin typeface="Arial" panose="020B0604020202020204" pitchFamily="34" charset="0"/>
+                <a:cs typeface="Arial" panose="020B0604020202020204" pitchFamily="34" charset="0"/>
+              </a:rPr>
+              <a:t>} </a:t>
+            </a:r>
+            <a:r>
+              <a:rPr lang="es-MX" sz="1600" b="1" dirty="0">
+                <a:solidFill>
+                  <a:srgbClr val="00B050"/>
+                </a:solidFill>
+                <a:latin typeface="Arial" panose="020B0604020202020204" pitchFamily="34" charset="0"/>
+                <a:cs typeface="Arial" panose="020B0604020202020204" pitchFamily="34" charset="0"/>
+              </a:rPr>
+              <a:t>pool</a:t>
+            </a:r>
+            <a:r>
+              <a:rPr lang="es-MX" sz="1600" dirty="0">
+                <a:solidFill>
+                  <a:srgbClr val="00B050"/>
+                </a:solidFill>
+                <a:latin typeface="Arial" panose="020B0604020202020204" pitchFamily="34" charset="0"/>
+                <a:cs typeface="Arial" panose="020B0604020202020204" pitchFamily="34" charset="0"/>
+              </a:rPr>
+              <a:t> </a:t>
+            </a:r>
+            <a:r>
+              <a:rPr lang="es-MX" sz="1600" b="1" dirty="0">
+                <a:solidFill>
+                  <a:schemeClr val="accent5">
+                    <a:lumMod val="75000"/>
+                  </a:schemeClr>
+                </a:solidFill>
+                <a:latin typeface="Arial" panose="020B0604020202020204" pitchFamily="34" charset="0"/>
+                <a:cs typeface="Arial" panose="020B0604020202020204" pitchFamily="34" charset="0"/>
+              </a:rPr>
+              <a:t>NOMBRE</a:t>
+            </a:r>
+            <a:r>
+              <a:rPr lang="es-MX" sz="1600" b="1" dirty="0">
+                <a:solidFill>
                   <a:schemeClr val="accent6">
                     <a:lumMod val="75000"/>
                   </a:schemeClr>
@@ -10409,218 +10563,12 @@
                 <a:latin typeface="Arial" panose="020B0604020202020204" pitchFamily="34" charset="0"/>
                 <a:cs typeface="Arial" panose="020B0604020202020204" pitchFamily="34" charset="0"/>
               </a:rPr>
-              <a:t>     </a:t>
+              <a:t> </a:t>
             </a:r>
             <a:r>
               <a:rPr lang="es-MX" sz="1600" b="1" dirty="0" err="1">
                 <a:solidFill>
-                  <a:schemeClr val="accent6">
-                    <a:lumMod val="75000"/>
-                  </a:schemeClr>
-                </a:solidFill>
-                <a:latin typeface="Arial" panose="020B0604020202020204" pitchFamily="34" charset="0"/>
-                <a:cs typeface="Arial" panose="020B0604020202020204" pitchFamily="34" charset="0"/>
-              </a:rPr>
-              <a:t>ip</a:t>
-            </a:r>
-            <a:r>
-              <a:rPr lang="es-MX" sz="1600" b="1" dirty="0">
-                <a:solidFill>
-                  <a:schemeClr val="accent6">
-                    <a:lumMod val="75000"/>
-                  </a:schemeClr>
-                </a:solidFill>
-                <a:latin typeface="Arial" panose="020B0604020202020204" pitchFamily="34" charset="0"/>
-                <a:cs typeface="Arial" panose="020B0604020202020204" pitchFamily="34" charset="0"/>
-              </a:rPr>
-              <a:t> </a:t>
-            </a:r>
-            <a:r>
-              <a:rPr lang="es-MX" sz="1600" b="1" dirty="0" err="1">
-                <a:solidFill>
-                  <a:schemeClr val="accent6">
-                    <a:lumMod val="75000"/>
-                  </a:schemeClr>
-                </a:solidFill>
-                <a:latin typeface="Arial" panose="020B0604020202020204" pitchFamily="34" charset="0"/>
-                <a:cs typeface="Arial" panose="020B0604020202020204" pitchFamily="34" charset="0"/>
-              </a:rPr>
-              <a:t>nat</a:t>
-            </a:r>
-            <a:r>
-              <a:rPr lang="es-MX" sz="1600" b="1" dirty="0">
-                <a:solidFill>
-                  <a:schemeClr val="accent6">
-                    <a:lumMod val="75000"/>
-                  </a:schemeClr>
-                </a:solidFill>
-                <a:latin typeface="Arial" panose="020B0604020202020204" pitchFamily="34" charset="0"/>
-                <a:cs typeface="Arial" panose="020B0604020202020204" pitchFamily="34" charset="0"/>
-              </a:rPr>
-              <a:t> </a:t>
-            </a:r>
-            <a:r>
-              <a:rPr lang="es-MX" sz="1600" b="1" dirty="0" err="1">
-                <a:solidFill>
-                  <a:schemeClr val="accent6">
-                    <a:lumMod val="75000"/>
-                  </a:schemeClr>
-                </a:solidFill>
-                <a:latin typeface="Arial" panose="020B0604020202020204" pitchFamily="34" charset="0"/>
-                <a:cs typeface="Arial" panose="020B0604020202020204" pitchFamily="34" charset="0"/>
-              </a:rPr>
-              <a:t>inside</a:t>
-            </a:r>
-            <a:r>
-              <a:rPr lang="es-MX" sz="1600" b="1" dirty="0">
-                <a:solidFill>
-                  <a:schemeClr val="accent6">
-                    <a:lumMod val="75000"/>
-                  </a:schemeClr>
-                </a:solidFill>
-                <a:latin typeface="Arial" panose="020B0604020202020204" pitchFamily="34" charset="0"/>
-                <a:cs typeface="Arial" panose="020B0604020202020204" pitchFamily="34" charset="0"/>
-              </a:rPr>
-              <a:t> </a:t>
-            </a:r>
-            <a:r>
-              <a:rPr lang="es-MX" sz="1600" b="1" dirty="0" err="1">
-                <a:solidFill>
-                  <a:schemeClr val="accent6">
-                    <a:lumMod val="75000"/>
-                  </a:schemeClr>
-                </a:solidFill>
-                <a:latin typeface="Arial" panose="020B0604020202020204" pitchFamily="34" charset="0"/>
-                <a:cs typeface="Arial" panose="020B0604020202020204" pitchFamily="34" charset="0"/>
-              </a:rPr>
-              <a:t>source</a:t>
-            </a:r>
-            <a:r>
-              <a:rPr lang="es-MX" sz="1600" dirty="0">
-                <a:solidFill>
-                  <a:schemeClr val="accent6">
-                    <a:lumMod val="75000"/>
-                  </a:schemeClr>
-                </a:solidFill>
-                <a:latin typeface="Arial" panose="020B0604020202020204" pitchFamily="34" charset="0"/>
-                <a:cs typeface="Arial" panose="020B0604020202020204" pitchFamily="34" charset="0"/>
-              </a:rPr>
-              <a:t> </a:t>
-            </a:r>
-            <a:r>
-              <a:rPr lang="es-MX" sz="1600" b="1" dirty="0" err="1">
-                <a:solidFill>
-                  <a:schemeClr val="accent6">
-                    <a:lumMod val="75000"/>
-                  </a:schemeClr>
-                </a:solidFill>
-                <a:latin typeface="Arial" panose="020B0604020202020204" pitchFamily="34" charset="0"/>
-                <a:cs typeface="Arial" panose="020B0604020202020204" pitchFamily="34" charset="0"/>
-              </a:rPr>
-              <a:t>list</a:t>
-            </a:r>
-            <a:r>
-              <a:rPr lang="es-MX" sz="1600" b="1" dirty="0">
-                <a:solidFill>
-                  <a:schemeClr val="bg2">
-                    <a:lumMod val="25000"/>
-                  </a:schemeClr>
-                </a:solidFill>
-                <a:latin typeface="Arial" panose="020B0604020202020204" pitchFamily="34" charset="0"/>
-                <a:cs typeface="Arial" panose="020B0604020202020204" pitchFamily="34" charset="0"/>
-              </a:rPr>
-              <a:t> </a:t>
-            </a:r>
-            <a:r>
-              <a:rPr lang="es-MX" sz="1600" dirty="0">
-                <a:solidFill>
-                  <a:schemeClr val="bg2">
-                    <a:lumMod val="25000"/>
-                  </a:schemeClr>
-                </a:solidFill>
-                <a:latin typeface="Arial" panose="020B0604020202020204" pitchFamily="34" charset="0"/>
-                <a:cs typeface="Arial" panose="020B0604020202020204" pitchFamily="34" charset="0"/>
-              </a:rPr>
-              <a:t>{</a:t>
-            </a:r>
-            <a:r>
-              <a:rPr lang="es-MX" sz="1600" b="1" dirty="0">
-                <a:solidFill>
-                  <a:schemeClr val="accent5">
-                    <a:lumMod val="75000"/>
-                  </a:schemeClr>
-                </a:solidFill>
-                <a:latin typeface="Arial" panose="020B0604020202020204" pitchFamily="34" charset="0"/>
-                <a:cs typeface="Arial" panose="020B0604020202020204" pitchFamily="34" charset="0"/>
-              </a:rPr>
-              <a:t>Número | Nombre</a:t>
-            </a:r>
-            <a:r>
-              <a:rPr lang="es-MX" sz="1600" dirty="0">
-                <a:solidFill>
-                  <a:schemeClr val="bg2">
-                    <a:lumMod val="25000"/>
-                  </a:schemeClr>
-                </a:solidFill>
-                <a:latin typeface="Arial" panose="020B0604020202020204" pitchFamily="34" charset="0"/>
-                <a:cs typeface="Arial" panose="020B0604020202020204" pitchFamily="34" charset="0"/>
-              </a:rPr>
-              <a:t>} </a:t>
-            </a:r>
-            <a:r>
-              <a:rPr lang="es-MX" sz="1600" b="1" dirty="0">
-                <a:solidFill>
-                  <a:schemeClr val="accent6">
-                    <a:lumMod val="75000"/>
-                  </a:schemeClr>
-                </a:solidFill>
-                <a:latin typeface="Arial" panose="020B0604020202020204" pitchFamily="34" charset="0"/>
-                <a:cs typeface="Arial" panose="020B0604020202020204" pitchFamily="34" charset="0"/>
-              </a:rPr>
-              <a:t>pool</a:t>
-            </a:r>
-            <a:r>
-              <a:rPr lang="es-MX" sz="1600" dirty="0">
-                <a:solidFill>
-                  <a:schemeClr val="bg2">
-                    <a:lumMod val="25000"/>
-                  </a:schemeClr>
-                </a:solidFill>
-                <a:latin typeface="Arial" panose="020B0604020202020204" pitchFamily="34" charset="0"/>
-                <a:cs typeface="Arial" panose="020B0604020202020204" pitchFamily="34" charset="0"/>
-              </a:rPr>
-              <a:t> </a:t>
-            </a:r>
-            <a:r>
-              <a:rPr lang="es-MX" sz="1600" b="1" dirty="0">
-                <a:solidFill>
-                  <a:schemeClr val="accent5">
-                    <a:lumMod val="75000"/>
-                  </a:schemeClr>
-                </a:solidFill>
-                <a:latin typeface="Arial" panose="020B0604020202020204" pitchFamily="34" charset="0"/>
-                <a:cs typeface="Arial" panose="020B0604020202020204" pitchFamily="34" charset="0"/>
-              </a:rPr>
-              <a:t>NOMBRE</a:t>
-            </a:r>
-            <a:r>
-              <a:rPr lang="es-MX" sz="1600" b="1" dirty="0">
-                <a:solidFill>
-                  <a:schemeClr val="accent6">
-                    <a:lumMod val="75000"/>
-                  </a:schemeClr>
-                </a:solidFill>
-                <a:latin typeface="Arial" panose="020B0604020202020204" pitchFamily="34" charset="0"/>
-                <a:cs typeface="Arial" panose="020B0604020202020204" pitchFamily="34" charset="0"/>
-              </a:rPr>
-              <a:t> </a:t>
-            </a:r>
-            <a:r>
-              <a:rPr lang="es-MX" sz="1600" b="1" dirty="0" err="1">
-                <a:solidFill>
-                  <a:schemeClr val="accent6">
-                    <a:lumMod val="75000"/>
-                  </a:schemeClr>
+                  <a:srgbClr val="00B050"/>
                 </a:solidFill>
                 <a:latin typeface="Arial" panose="020B0604020202020204" pitchFamily="34" charset="0"/>
                 <a:cs typeface="Arial" panose="020B0604020202020204" pitchFamily="34" charset="0"/>
@@ -10629,9 +10577,7 @@
             </a:r>
             <a:endParaRPr lang="es-MX" sz="1600" dirty="0">
               <a:solidFill>
-                <a:schemeClr val="bg2">
-                  <a:lumMod val="25000"/>
-                </a:schemeClr>
+                <a:srgbClr val="00B050"/>
               </a:solidFill>
               <a:latin typeface="Arial" panose="020B0604020202020204" pitchFamily="34" charset="0"/>
               <a:cs typeface="Arial" panose="020B0604020202020204" pitchFamily="34" charset="0"/>
